--- a/_PowerPoints/2nd Semester/Unit 11 Calc Preview/PreCalc_Day_073 12.3 Tangent Line (Day 2).pptx
+++ b/_PowerPoints/2nd Semester/Unit 11 Calc Preview/PreCalc_Day_073 12.3 Tangent Line (Day 2).pptx
@@ -12,10 +12,11 @@
     <p:sldId id="326" r:id="rId6"/>
     <p:sldId id="327" r:id="rId7"/>
     <p:sldId id="331" r:id="rId8"/>
-    <p:sldId id="328" r:id="rId9"/>
-    <p:sldId id="329" r:id="rId10"/>
-    <p:sldId id="330" r:id="rId11"/>
-    <p:sldId id="287" r:id="rId12"/>
+    <p:sldId id="329" r:id="rId9"/>
+    <p:sldId id="330" r:id="rId10"/>
+    <p:sldId id="328" r:id="rId11"/>
+    <p:sldId id="332" r:id="rId12"/>
+    <p:sldId id="287" r:id="rId13"/>
   </p:sldIdLst>
   <p:sldSz cx="12192000" cy="6858000"/>
   <p:notesSz cx="6858000" cy="9144000"/>
@@ -292,7 +293,7 @@
             <a:fld id="{87DE6118-2437-4B30-8E3C-4D2BE6020583}" type="datetimeFigureOut">
               <a:rPr lang="en-US" dirty="0"/>
               <a:pPr/>
-              <a:t>4/16/2018</a:t>
+              <a:t>4/24/2018</a:t>
             </a:fld>
             <a:endParaRPr lang="en-US" dirty="0"/>
           </a:p>
@@ -618,7 +619,7 @@
           <a:p>
             <a:fld id="{87DE6118-2437-4B30-8E3C-4D2BE6020583}" type="datetimeFigureOut">
               <a:rPr lang="en-US" dirty="0"/>
-              <a:t>4/16/2018</a:t>
+              <a:t>4/24/2018</a:t>
             </a:fld>
             <a:endParaRPr lang="en-US" dirty="0"/>
           </a:p>
@@ -793,7 +794,7 @@
           <a:p>
             <a:fld id="{87DE6118-2437-4B30-8E3C-4D2BE6020583}" type="datetimeFigureOut">
               <a:rPr lang="en-US" dirty="0"/>
-              <a:t>4/16/2018</a:t>
+              <a:t>4/24/2018</a:t>
             </a:fld>
             <a:endParaRPr lang="en-US" dirty="0"/>
           </a:p>
@@ -958,7 +959,7 @@
           <a:p>
             <a:fld id="{87DE6118-2437-4B30-8E3C-4D2BE6020583}" type="datetimeFigureOut">
               <a:rPr lang="en-US" dirty="0"/>
-              <a:t>4/16/2018</a:t>
+              <a:t>4/24/2018</a:t>
             </a:fld>
             <a:endParaRPr lang="en-US" dirty="0"/>
           </a:p>
@@ -1231,7 +1232,7 @@
             <a:fld id="{87DE6118-2437-4B30-8E3C-4D2BE6020583}" type="datetimeFigureOut">
               <a:rPr lang="en-US" dirty="0"/>
               <a:pPr/>
-              <a:t>4/16/2018</a:t>
+              <a:t>4/24/2018</a:t>
             </a:fld>
             <a:endParaRPr lang="en-US" dirty="0"/>
           </a:p>
@@ -1621,7 +1622,7 @@
           <a:p>
             <a:fld id="{87DE6118-2437-4B30-8E3C-4D2BE6020583}" type="datetimeFigureOut">
               <a:rPr lang="en-US" dirty="0"/>
-              <a:t>4/16/2018</a:t>
+              <a:t>4/24/2018</a:t>
             </a:fld>
             <a:endParaRPr lang="en-US" dirty="0"/>
           </a:p>
@@ -2093,7 +2094,7 @@
           <a:p>
             <a:fld id="{87DE6118-2437-4B30-8E3C-4D2BE6020583}" type="datetimeFigureOut">
               <a:rPr lang="en-US" dirty="0"/>
-              <a:t>4/16/2018</a:t>
+              <a:t>4/24/2018</a:t>
             </a:fld>
             <a:endParaRPr lang="en-US" dirty="0"/>
           </a:p>
@@ -2206,7 +2207,7 @@
           <a:p>
             <a:fld id="{87DE6118-2437-4B30-8E3C-4D2BE6020583}" type="datetimeFigureOut">
               <a:rPr lang="en-US" dirty="0"/>
-              <a:t>4/16/2018</a:t>
+              <a:t>4/24/2018</a:t>
             </a:fld>
             <a:endParaRPr lang="en-US" dirty="0"/>
           </a:p>
@@ -2296,7 +2297,7 @@
           <a:p>
             <a:fld id="{87DE6118-2437-4B30-8E3C-4D2BE6020583}" type="datetimeFigureOut">
               <a:rPr lang="en-US" dirty="0"/>
-              <a:t>4/16/2018</a:t>
+              <a:t>4/24/2018</a:t>
             </a:fld>
             <a:endParaRPr lang="en-US" dirty="0"/>
           </a:p>
@@ -2638,7 +2639,7 @@
             <a:fld id="{87DE6118-2437-4B30-8E3C-4D2BE6020583}" type="datetimeFigureOut">
               <a:rPr lang="en-US" dirty="0"/>
               <a:pPr/>
-              <a:t>4/16/2018</a:t>
+              <a:t>4/24/2018</a:t>
             </a:fld>
             <a:endParaRPr lang="en-US" dirty="0"/>
           </a:p>
@@ -3023,7 +3024,7 @@
             <a:fld id="{87DE6118-2437-4B30-8E3C-4D2BE6020583}" type="datetimeFigureOut">
               <a:rPr lang="en-US" dirty="0"/>
               <a:pPr/>
-              <a:t>4/16/2018</a:t>
+              <a:t>4/24/2018</a:t>
             </a:fld>
             <a:endParaRPr lang="en-US" dirty="0"/>
           </a:p>
@@ -3298,7 +3299,7 @@
             <a:fld id="{87DE6118-2437-4B30-8E3C-4D2BE6020583}" type="datetimeFigureOut">
               <a:rPr lang="en-US" dirty="0"/>
               <a:pPr/>
-              <a:t>4/16/2018</a:t>
+              <a:t>4/24/2018</a:t>
             </a:fld>
             <a:endParaRPr lang="en-US" dirty="0"/>
           </a:p>
@@ -4189,24 +4190,167 @@
           <a:chExt cx="0" cy="0"/>
         </a:xfrm>
       </p:grpSpPr>
-      <mc:AlternateContent xmlns:mc="http://schemas.openxmlformats.org/markup-compatibility/2006" xmlns:a14="http://schemas.microsoft.com/office/drawing/2010/main">
-        <mc:Choice Requires="a14">
+      <p:sp>
+        <p:nvSpPr>
+          <p:cNvPr id="2" name="Title 1"/>
+          <p:cNvSpPr>
+            <a:spLocks noGrp="1"/>
+          </p:cNvSpPr>
+          <p:nvPr>
+            <p:ph type="title"/>
+          </p:nvPr>
+        </p:nvSpPr>
+        <p:spPr/>
+        <p:txBody>
+          <a:bodyPr/>
+          <a:lstStyle/>
+          <a:p>
+            <a:r>
+              <a:rPr lang="en-US" dirty="0" smtClean="0"/>
+              <a:t>From last time…</a:t>
+            </a:r>
+            <a:endParaRPr lang="en-US" dirty="0"/>
+          </a:p>
+        </p:txBody>
+      </p:sp>
+      <p:sp>
+        <p:nvSpPr>
+          <p:cNvPr id="3" name="Content Placeholder 2"/>
+          <p:cNvSpPr>
+            <a:spLocks noGrp="1"/>
+          </p:cNvSpPr>
+          <p:nvPr>
+            <p:ph idx="1"/>
+          </p:nvPr>
+        </p:nvSpPr>
+        <p:spPr/>
+        <p:txBody>
+          <a:bodyPr>
+            <a:normAutofit/>
+          </a:bodyPr>
+          <a:lstStyle/>
+          <a:p>
+            <a:pPr marL="0" indent="0">
+              <a:buNone/>
+            </a:pPr>
+            <a:r>
+              <a:rPr lang="en-US" sz="3200" b="1" dirty="0"/>
+              <a:t>Page 868 #5, 7, 9, 11, 49</a:t>
+            </a:r>
+          </a:p>
+          <a:p>
+            <a:pPr marL="0" indent="0">
+              <a:buNone/>
+            </a:pPr>
+            <a:endParaRPr lang="en-US" sz="3200" b="1" dirty="0"/>
+          </a:p>
+          <a:p>
+            <a:pPr marL="0" indent="0">
+              <a:buNone/>
+            </a:pPr>
+            <a:r>
+              <a:rPr lang="en-US" sz="3200" b="1" dirty="0"/>
+              <a:t>Page 878 #5, 6, 9, 10</a:t>
+            </a:r>
+            <a:endParaRPr lang="en-US" sz="2400" dirty="0"/>
+          </a:p>
+          <a:p>
+            <a:pPr marL="0" indent="0">
+              <a:buNone/>
+            </a:pPr>
+            <a:endParaRPr lang="en-US" sz="2400" dirty="0"/>
+          </a:p>
+        </p:txBody>
+      </p:sp>
+    </p:spTree>
+    <p:extLst>
+      <p:ext uri="{BB962C8B-B14F-4D97-AF65-F5344CB8AC3E}">
+        <p14:creationId xmlns:p14="http://schemas.microsoft.com/office/powerpoint/2010/main" val="1116071444"/>
+      </p:ext>
+    </p:extLst>
+  </p:cSld>
+  <p:clrMapOvr>
+    <a:masterClrMapping/>
+  </p:clrMapOvr>
+  <p:timing>
+    <p:tnLst>
+      <p:par>
+        <p:cTn id="1" dur="indefinite" restart="never" nodeType="tmRoot"/>
+      </p:par>
+    </p:tnLst>
+  </p:timing>
+</p:sld>
+</file>
+
+<file path=ppt/slides/slide11.xml><?xml version="1.0" encoding="utf-8"?>
+<p:sld xmlns:a="http://schemas.openxmlformats.org/drawingml/2006/main" xmlns:r="http://schemas.openxmlformats.org/officeDocument/2006/relationships" xmlns:p="http://schemas.openxmlformats.org/presentationml/2006/main">
+  <p:cSld>
+    <p:spTree>
+      <p:nvGrpSpPr>
+        <p:cNvPr id="1" name=""/>
+        <p:cNvGrpSpPr/>
+        <p:nvPr/>
+      </p:nvGrpSpPr>
+      <p:grpSpPr>
+        <a:xfrm>
+          <a:off x="0" y="0"/>
+          <a:ext cx="0" cy="0"/>
+          <a:chOff x="0" y="0"/>
+          <a:chExt cx="0" cy="0"/>
+        </a:xfrm>
+      </p:grpSpPr>
+      <p:sp>
+        <p:nvSpPr>
+          <p:cNvPr id="2" name="Title 1"/>
+          <p:cNvSpPr>
+            <a:spLocks noGrp="1"/>
+          </p:cNvSpPr>
+          <p:nvPr>
+            <p:ph type="title"/>
+          </p:nvPr>
+        </p:nvSpPr>
+        <p:spPr/>
+        <p:txBody>
+          <a:bodyPr>
+            <a:normAutofit fontScale="90000"/>
+          </a:bodyPr>
+          <a:lstStyle/>
+          <a:p>
+            <a:r>
+              <a:rPr lang="en-US" dirty="0" smtClean="0"/>
+              <a:t>Another Example: Find Derivative. Find the slope of the tangent at the given point. Write the equation of the line through the given point. </a:t>
+            </a:r>
+            <a:endParaRPr lang="en-US" dirty="0"/>
+          </a:p>
+        </p:txBody>
+      </p:sp>
+      <mc:AlternateContent xmlns:mc="http://schemas.openxmlformats.org/markup-compatibility/2006">
+        <mc:Choice xmlns:a14="http://schemas.microsoft.com/office/drawing/2010/main" Requires="a14">
           <p:sp>
             <p:nvSpPr>
-              <p:cNvPr id="2" name="Title 1"/>
+              <p:cNvPr id="3" name="Content Placeholder 2"/>
               <p:cNvSpPr>
                 <a:spLocks noGrp="1"/>
               </p:cNvSpPr>
               <p:nvPr>
-                <p:ph type="title"/>
+                <p:ph idx="1"/>
               </p:nvPr>
             </p:nvSpPr>
-            <p:spPr/>
+            <p:spPr>
+              <a:xfrm>
+                <a:off x="1371600" y="3178098"/>
+                <a:ext cx="9601200" cy="2689302"/>
+              </a:xfrm>
+            </p:spPr>
             <p:txBody>
-              <a:bodyPr/>
+              <a:bodyPr>
+                <a:normAutofit/>
+              </a:bodyPr>
               <a:lstStyle/>
               <a:p>
-                <a:pPr/>
+                <a:pPr marL="0" indent="0">
+                  <a:buNone/>
+                </a:pPr>
                 <a14:m>
                   <m:oMathPara xmlns:m="http://schemas.openxmlformats.org/officeDocument/2006/math">
                     <m:oMathParaPr>
@@ -4214,30 +4358,13 @@
                     </m:oMathParaPr>
                     <m:oMath xmlns:m="http://schemas.openxmlformats.org/officeDocument/2006/math">
                       <m:r>
-                        <a:rPr lang="en-US" sz="3400" i="1">
+                        <a:rPr lang="en-US" sz="4000" b="0" i="1" smtClean="0">
                           <a:latin typeface="Cambria Math" panose="02040503050406030204" pitchFamily="18" charset="0"/>
                         </a:rPr>
-                        <m:t>𝑓</m:t>
+                        <m:t>𝑦</m:t>
                       </m:r>
-                      <m:d>
-                        <m:dPr>
-                          <m:ctrlPr>
-                            <a:rPr lang="en-US" sz="3400" i="1">
-                              <a:latin typeface="Cambria Math" panose="02040503050406030204" pitchFamily="18" charset="0"/>
-                            </a:rPr>
-                          </m:ctrlPr>
-                        </m:dPr>
-                        <m:e>
-                          <m:r>
-                            <a:rPr lang="en-US" sz="3400" i="1">
-                              <a:latin typeface="Cambria Math" panose="02040503050406030204" pitchFamily="18" charset="0"/>
-                            </a:rPr>
-                            <m:t>𝑥</m:t>
-                          </m:r>
-                        </m:e>
-                      </m:d>
                       <m:r>
-                        <a:rPr lang="en-US" sz="3400" i="1">
+                        <a:rPr lang="en-US" sz="4000" b="0" i="1" smtClean="0">
                           <a:latin typeface="Cambria Math" panose="02040503050406030204" pitchFamily="18" charset="0"/>
                         </a:rPr>
                         <m:t>=</m:t>
@@ -4245,20 +4372,20 @@
                       <m:sSup>
                         <m:sSupPr>
                           <m:ctrlPr>
-                            <a:rPr lang="en-US" sz="3400" i="1">
+                            <a:rPr lang="en-US" sz="4000" b="0" i="1" smtClean="0">
                               <a:latin typeface="Cambria Math" panose="02040503050406030204" pitchFamily="18" charset="0"/>
                             </a:rPr>
                           </m:ctrlPr>
                         </m:sSupPr>
                         <m:e>
                           <m:r>
-                            <a:rPr lang="en-US" sz="3400" i="1">
-                              <a:latin typeface="Cambria Math" panose="02040503050406030204" pitchFamily="18" charset="0"/>
-                            </a:rPr>
-                            <m:t>3</m:t>
-                          </m:r>
-                          <m:r>
-                            <a:rPr lang="en-US" sz="3400" i="1">
+                            <a:rPr lang="en-US" sz="4000" b="0" i="1" smtClean="0">
+                              <a:latin typeface="Cambria Math" panose="02040503050406030204" pitchFamily="18" charset="0"/>
+                            </a:rPr>
+                            <m:t>2</m:t>
+                          </m:r>
+                          <m:r>
+                            <a:rPr lang="en-US" sz="4000" b="0" i="1" smtClean="0">
                               <a:latin typeface="Cambria Math" panose="02040503050406030204" pitchFamily="18" charset="0"/>
                             </a:rPr>
                             <m:t>𝑥</m:t>
@@ -4266,51 +4393,80 @@
                         </m:e>
                         <m:sup>
                           <m:r>
-                            <a:rPr lang="en-US" sz="3400" i="1">
-                              <a:latin typeface="Cambria Math" panose="02040503050406030204" pitchFamily="18" charset="0"/>
-                            </a:rPr>
-                            <m:t>2</m:t>
+                            <a:rPr lang="en-US" sz="4000" b="0" i="1" smtClean="0">
+                              <a:latin typeface="Cambria Math" panose="02040503050406030204" pitchFamily="18" charset="0"/>
+                            </a:rPr>
+                            <m:t>3</m:t>
                           </m:r>
                         </m:sup>
                       </m:sSup>
                       <m:r>
-                        <a:rPr lang="en-US" sz="3400" i="1">
+                        <a:rPr lang="en-US" sz="4000" b="0" i="1" smtClean="0">
                           <a:latin typeface="Cambria Math" panose="02040503050406030204" pitchFamily="18" charset="0"/>
                         </a:rPr>
-                        <m:t>−6</m:t>
+                        <m:t>−</m:t>
                       </m:r>
+                      <m:sSup>
+                        <m:sSupPr>
+                          <m:ctrlPr>
+                            <a:rPr lang="en-US" sz="4000" b="0" i="1" smtClean="0">
+                              <a:latin typeface="Cambria Math" panose="02040503050406030204" pitchFamily="18" charset="0"/>
+                            </a:rPr>
+                          </m:ctrlPr>
+                        </m:sSupPr>
+                        <m:e>
+                          <m:r>
+                            <a:rPr lang="en-US" sz="4000" b="0" i="1" smtClean="0">
+                              <a:latin typeface="Cambria Math" panose="02040503050406030204" pitchFamily="18" charset="0"/>
+                            </a:rPr>
+                            <m:t>5</m:t>
+                          </m:r>
+                          <m:r>
+                            <a:rPr lang="en-US" sz="4000" b="0" i="1" smtClean="0">
+                              <a:latin typeface="Cambria Math" panose="02040503050406030204" pitchFamily="18" charset="0"/>
+                            </a:rPr>
+                            <m:t>𝑥</m:t>
+                          </m:r>
+                        </m:e>
+                        <m:sup>
+                          <m:r>
+                            <a:rPr lang="en-US" sz="4000" b="0" i="1" smtClean="0">
+                              <a:latin typeface="Cambria Math" panose="02040503050406030204" pitchFamily="18" charset="0"/>
+                            </a:rPr>
+                            <m:t>2</m:t>
+                          </m:r>
+                        </m:sup>
+                      </m:sSup>
                       <m:r>
-                        <a:rPr lang="en-US" sz="3400" i="1">
+                        <a:rPr lang="en-US" sz="4000" b="0" i="1" smtClean="0">
                           <a:latin typeface="Cambria Math" panose="02040503050406030204" pitchFamily="18" charset="0"/>
                         </a:rPr>
-                        <m:t>𝑥</m:t>
-                      </m:r>
-                      <m:r>
-                        <a:rPr lang="en-US" sz="3400" i="1">
-                          <a:latin typeface="Cambria Math" panose="02040503050406030204" pitchFamily="18" charset="0"/>
-                        </a:rPr>
-                        <m:t>      (2, 0) </m:t>
+                        <m:t>+3                         (−0.5, 1.5)</m:t>
                       </m:r>
                     </m:oMath>
                   </m:oMathPara>
                 </a14:m>
-                <a:endParaRPr lang="en-US" sz="3400" dirty="0"/>
+                <a:endParaRPr lang="en-US" sz="4000" dirty="0"/>
               </a:p>
             </p:txBody>
           </p:sp>
         </mc:Choice>
-        <mc:Fallback xmlns="">
+        <mc:Fallback>
           <p:sp>
             <p:nvSpPr>
-              <p:cNvPr id="2" name="Title 1"/>
+              <p:cNvPr id="3" name="Content Placeholder 2"/>
               <p:cNvSpPr>
                 <a:spLocks noGrp="1" noRot="1" noChangeAspect="1" noMove="1" noResize="1" noEditPoints="1" noAdjustHandles="1" noChangeArrowheads="1" noChangeShapeType="1" noTextEdit="1"/>
               </p:cNvSpPr>
               <p:nvPr>
-                <p:ph type="title"/>
+                <p:ph idx="1"/>
               </p:nvPr>
             </p:nvSpPr>
             <p:spPr>
+              <a:xfrm>
+                <a:off x="1371600" y="3178098"/>
+                <a:ext cx="9601200" cy="2689302"/>
+              </a:xfrm>
               <a:blipFill rotWithShape="0">
                 <a:blip r:embed="rId2"/>
                 <a:stretch>
@@ -4333,502 +4489,27 @@
           </p:sp>
         </mc:Fallback>
       </mc:AlternateContent>
-      <mc:AlternateContent xmlns:mc="http://schemas.openxmlformats.org/markup-compatibility/2006" xmlns:a14="http://schemas.microsoft.com/office/drawing/2010/main">
-        <mc:Choice Requires="a14">
-          <p:sp>
-            <p:nvSpPr>
-              <p:cNvPr id="3" name="Content Placeholder 2"/>
-              <p:cNvSpPr>
-                <a:spLocks noGrp="1"/>
-              </p:cNvSpPr>
-              <p:nvPr>
-                <p:ph idx="1"/>
-              </p:nvPr>
-            </p:nvSpPr>
-            <p:spPr>
-              <a:xfrm>
-                <a:off x="1371600" y="1746353"/>
-                <a:ext cx="9601200" cy="5111647"/>
-              </a:xfrm>
-            </p:spPr>
-            <p:txBody>
-              <a:bodyPr>
-                <a:normAutofit/>
-              </a:bodyPr>
-              <a:lstStyle/>
-              <a:p>
-                <a:pPr marL="0" indent="0">
-                  <a:buNone/>
-                </a:pPr>
-                <a14:m>
-                  <m:oMathPara xmlns:m="http://schemas.openxmlformats.org/officeDocument/2006/math">
-                    <m:oMathParaPr>
-                      <m:jc m:val="left"/>
-                    </m:oMathParaPr>
-                    <m:oMath xmlns:m="http://schemas.openxmlformats.org/officeDocument/2006/math">
-                      <m:sSup>
-                        <m:sSupPr>
-                          <m:ctrlPr>
-                            <a:rPr lang="en-US" sz="3400" i="1" smtClean="0">
-                              <a:latin typeface="Cambria Math" panose="02040503050406030204" pitchFamily="18" charset="0"/>
-                            </a:rPr>
-                          </m:ctrlPr>
-                        </m:sSupPr>
-                        <m:e>
-                          <m:sSup>
-                            <m:sSupPr>
-                              <m:ctrlPr>
-                                <a:rPr lang="en-US" sz="3400" b="0" i="1" smtClean="0">
-                                  <a:latin typeface="Cambria Math" panose="02040503050406030204" pitchFamily="18" charset="0"/>
-                                </a:rPr>
-                              </m:ctrlPr>
-                            </m:sSupPr>
-                            <m:e>
-                              <m:r>
-                                <a:rPr lang="en-US" sz="3400" b="0" i="1" smtClean="0">
-                                  <a:latin typeface="Cambria Math" panose="02040503050406030204" pitchFamily="18" charset="0"/>
-                                </a:rPr>
-                                <m:t>𝑓</m:t>
-                              </m:r>
-                            </m:e>
-                            <m:sup>
-                              <m:r>
-                                <a:rPr lang="en-US" sz="3400" b="0" i="1" smtClean="0">
-                                  <a:latin typeface="Cambria Math" panose="02040503050406030204" pitchFamily="18" charset="0"/>
-                                </a:rPr>
-                                <m:t>′</m:t>
-                              </m:r>
-                            </m:sup>
-                          </m:sSup>
-                          <m:d>
-                            <m:dPr>
-                              <m:ctrlPr>
-                                <a:rPr lang="en-US" sz="3400" b="0" i="1" smtClean="0">
-                                  <a:latin typeface="Cambria Math" panose="02040503050406030204" pitchFamily="18" charset="0"/>
-                                </a:rPr>
-                              </m:ctrlPr>
-                            </m:dPr>
-                            <m:e>
-                              <m:r>
-                                <a:rPr lang="en-US" sz="3400" b="0" i="1" smtClean="0">
-                                  <a:latin typeface="Cambria Math" panose="02040503050406030204" pitchFamily="18" charset="0"/>
-                                </a:rPr>
-                                <m:t>𝑥</m:t>
-                              </m:r>
-                            </m:e>
-                          </m:d>
-                          <m:r>
-                            <a:rPr lang="en-US" sz="3400" b="0" i="1" smtClean="0">
-                              <a:latin typeface="Cambria Math" panose="02040503050406030204" pitchFamily="18" charset="0"/>
-                            </a:rPr>
-                            <m:t>=(2)</m:t>
-                          </m:r>
-                          <m:r>
-                            <a:rPr lang="en-US" sz="3400" i="1">
-                              <a:latin typeface="Cambria Math" panose="02040503050406030204" pitchFamily="18" charset="0"/>
-                            </a:rPr>
-                            <m:t>3</m:t>
-                          </m:r>
-                          <m:r>
-                            <a:rPr lang="en-US" sz="3400" i="1">
-                              <a:latin typeface="Cambria Math" panose="02040503050406030204" pitchFamily="18" charset="0"/>
-                            </a:rPr>
-                            <m:t>𝑥</m:t>
-                          </m:r>
-                        </m:e>
-                        <m:sup>
-                          <m:r>
-                            <a:rPr lang="en-US" sz="3400" i="1">
-                              <a:latin typeface="Cambria Math" panose="02040503050406030204" pitchFamily="18" charset="0"/>
-                            </a:rPr>
-                            <m:t>2</m:t>
-                          </m:r>
-                          <m:r>
-                            <a:rPr lang="en-US" sz="3400" b="0" i="1" smtClean="0">
-                              <a:latin typeface="Cambria Math" panose="02040503050406030204" pitchFamily="18" charset="0"/>
-                            </a:rPr>
-                            <m:t>−1</m:t>
-                          </m:r>
-                        </m:sup>
-                      </m:sSup>
-                      <m:r>
-                        <a:rPr lang="en-US" sz="3400" i="1">
-                          <a:latin typeface="Cambria Math" panose="02040503050406030204" pitchFamily="18" charset="0"/>
-                        </a:rPr>
-                        <m:t>−</m:t>
-                      </m:r>
-                      <m:d>
-                        <m:dPr>
-                          <m:ctrlPr>
-                            <a:rPr lang="en-US" sz="3400" b="0" i="1" smtClean="0">
-                              <a:latin typeface="Cambria Math" panose="02040503050406030204" pitchFamily="18" charset="0"/>
-                            </a:rPr>
-                          </m:ctrlPr>
-                        </m:dPr>
-                        <m:e>
-                          <m:r>
-                            <a:rPr lang="en-US" sz="3400" b="0" i="1" smtClean="0">
-                              <a:latin typeface="Cambria Math" panose="02040503050406030204" pitchFamily="18" charset="0"/>
-                            </a:rPr>
-                            <m:t>1</m:t>
-                          </m:r>
-                        </m:e>
-                      </m:d>
-                      <m:r>
-                        <a:rPr lang="en-US" sz="3400" i="1">
-                          <a:latin typeface="Cambria Math" panose="02040503050406030204" pitchFamily="18" charset="0"/>
-                        </a:rPr>
-                        <m:t>6</m:t>
-                      </m:r>
-                      <m:sSup>
-                        <m:sSupPr>
-                          <m:ctrlPr>
-                            <a:rPr lang="en-US" sz="3400" i="1">
-                              <a:latin typeface="Cambria Math" panose="02040503050406030204" pitchFamily="18" charset="0"/>
-                            </a:rPr>
-                          </m:ctrlPr>
-                        </m:sSupPr>
-                        <m:e>
-                          <m:r>
-                            <a:rPr lang="en-US" sz="3400" i="1">
-                              <a:latin typeface="Cambria Math" panose="02040503050406030204" pitchFamily="18" charset="0"/>
-                            </a:rPr>
-                            <m:t>𝑥</m:t>
-                          </m:r>
-                        </m:e>
-                        <m:sup>
-                          <m:r>
-                            <a:rPr lang="en-US" sz="3400" b="0" i="1" smtClean="0">
-                              <a:latin typeface="Cambria Math" panose="02040503050406030204" pitchFamily="18" charset="0"/>
-                            </a:rPr>
-                            <m:t>1</m:t>
-                          </m:r>
-                          <m:r>
-                            <a:rPr lang="en-US" sz="3400" i="1">
-                              <a:latin typeface="Cambria Math" panose="02040503050406030204" pitchFamily="18" charset="0"/>
-                            </a:rPr>
-                            <m:t>−1</m:t>
-                          </m:r>
-                        </m:sup>
-                      </m:sSup>
-                    </m:oMath>
-                  </m:oMathPara>
-                </a14:m>
-                <a:endParaRPr lang="en-US" sz="3400" dirty="0" smtClean="0"/>
-              </a:p>
-              <a:p>
-                <a:pPr marL="0" indent="0">
-                  <a:buNone/>
-                </a:pPr>
-                <a:endParaRPr lang="en-US" sz="3400" dirty="0" smtClean="0"/>
-              </a:p>
-              <a:p>
-                <a:pPr marL="0" indent="0">
-                  <a:buNone/>
-                </a:pPr>
-                <a14:m>
-                  <m:oMathPara xmlns:m="http://schemas.openxmlformats.org/officeDocument/2006/math">
-                    <m:oMathParaPr>
-                      <m:jc m:val="left"/>
-                    </m:oMathParaPr>
-                    <m:oMath xmlns:m="http://schemas.openxmlformats.org/officeDocument/2006/math">
-                      <m:sSup>
-                        <m:sSupPr>
-                          <m:ctrlPr>
-                            <a:rPr lang="en-US" sz="3400" b="1" i="1" smtClean="0">
-                              <a:latin typeface="Cambria Math" panose="02040503050406030204" pitchFamily="18" charset="0"/>
-                            </a:rPr>
-                          </m:ctrlPr>
-                        </m:sSupPr>
-                        <m:e>
-                          <m:r>
-                            <a:rPr lang="en-US" sz="3400" b="1" i="1" smtClean="0">
-                              <a:latin typeface="Cambria Math" panose="02040503050406030204" pitchFamily="18" charset="0"/>
-                            </a:rPr>
-                            <m:t>𝒇</m:t>
-                          </m:r>
-                        </m:e>
-                        <m:sup>
-                          <m:r>
-                            <a:rPr lang="en-US" sz="3400" b="1" i="1" smtClean="0">
-                              <a:latin typeface="Cambria Math" panose="02040503050406030204" pitchFamily="18" charset="0"/>
-                            </a:rPr>
-                            <m:t>′</m:t>
-                          </m:r>
-                        </m:sup>
-                      </m:sSup>
-                      <m:d>
-                        <m:dPr>
-                          <m:ctrlPr>
-                            <a:rPr lang="en-US" sz="3400" b="1" i="1" smtClean="0">
-                              <a:latin typeface="Cambria Math" panose="02040503050406030204" pitchFamily="18" charset="0"/>
-                            </a:rPr>
-                          </m:ctrlPr>
-                        </m:dPr>
-                        <m:e>
-                          <m:r>
-                            <a:rPr lang="en-US" sz="3400" b="1" i="1" smtClean="0">
-                              <a:latin typeface="Cambria Math" panose="02040503050406030204" pitchFamily="18" charset="0"/>
-                            </a:rPr>
-                            <m:t>𝒙</m:t>
-                          </m:r>
-                        </m:e>
-                      </m:d>
-                      <m:r>
-                        <a:rPr lang="en-US" sz="3400" b="1" i="1" smtClean="0">
-                          <a:latin typeface="Cambria Math" panose="02040503050406030204" pitchFamily="18" charset="0"/>
-                        </a:rPr>
-                        <m:t>=</m:t>
-                      </m:r>
-                      <m:r>
-                        <a:rPr lang="en-US" sz="3400" b="1" i="1" smtClean="0">
-                          <a:latin typeface="Cambria Math" panose="02040503050406030204" pitchFamily="18" charset="0"/>
-                        </a:rPr>
-                        <m:t>𝟔</m:t>
-                      </m:r>
-                      <m:r>
-                        <a:rPr lang="en-US" sz="3400" b="1" i="1" smtClean="0">
-                          <a:latin typeface="Cambria Math" panose="02040503050406030204" pitchFamily="18" charset="0"/>
-                        </a:rPr>
-                        <m:t>𝒙</m:t>
-                      </m:r>
-                      <m:r>
-                        <a:rPr lang="en-US" sz="3400" b="1" i="1">
-                          <a:latin typeface="Cambria Math" panose="02040503050406030204" pitchFamily="18" charset="0"/>
-                        </a:rPr>
-                        <m:t>−</m:t>
-                      </m:r>
-                      <m:r>
-                        <a:rPr lang="en-US" sz="3400" b="1" i="1">
-                          <a:latin typeface="Cambria Math" panose="02040503050406030204" pitchFamily="18" charset="0"/>
-                        </a:rPr>
-                        <m:t>𝟔</m:t>
-                      </m:r>
-                    </m:oMath>
-                  </m:oMathPara>
-                </a14:m>
-                <a:endParaRPr lang="en-US" sz="3400" b="1" dirty="0" smtClean="0"/>
-              </a:p>
-              <a:p>
-                <a:pPr marL="0" indent="0">
-                  <a:buNone/>
-                </a:pPr>
-                <a:endParaRPr lang="en-US" sz="3400" dirty="0" smtClean="0"/>
-              </a:p>
-              <a:p>
-                <a:pPr marL="0" indent="0">
-                  <a:buNone/>
-                </a:pPr>
-                <a:r>
-                  <a:rPr lang="en-US" sz="3400" dirty="0" smtClean="0"/>
-                  <a:t>Slope of tangent at the point… </a:t>
-                </a:r>
-                <a:endParaRPr lang="en-US" sz="3400" dirty="0"/>
-              </a:p>
-              <a:p>
-                <a:pPr marL="0" indent="0">
-                  <a:buNone/>
-                </a:pPr>
-                <a:r>
-                  <a:rPr lang="en-US" sz="3400" dirty="0" smtClean="0"/>
-                  <a:t>So </a:t>
-                </a:r>
-                <a14:m>
-                  <m:oMath xmlns:m="http://schemas.openxmlformats.org/officeDocument/2006/math">
-                    <m:sSup>
-                      <m:sSupPr>
-                        <m:ctrlPr>
-                          <a:rPr lang="en-US" sz="3400" b="0" i="1" smtClean="0">
-                            <a:latin typeface="Cambria Math" panose="02040503050406030204" pitchFamily="18" charset="0"/>
-                          </a:rPr>
-                        </m:ctrlPr>
-                      </m:sSupPr>
-                      <m:e>
-                        <m:r>
-                          <a:rPr lang="en-US" sz="3400" b="0" i="1" smtClean="0">
-                            <a:latin typeface="Cambria Math" panose="02040503050406030204" pitchFamily="18" charset="0"/>
-                          </a:rPr>
-                          <m:t>𝑓</m:t>
-                        </m:r>
-                      </m:e>
-                      <m:sup>
-                        <m:r>
-                          <a:rPr lang="en-US" sz="3400" b="0" i="1" smtClean="0">
-                            <a:latin typeface="Cambria Math" panose="02040503050406030204" pitchFamily="18" charset="0"/>
-                          </a:rPr>
-                          <m:t>′</m:t>
-                        </m:r>
-                      </m:sup>
-                    </m:sSup>
-                    <m:d>
-                      <m:dPr>
-                        <m:ctrlPr>
-                          <a:rPr lang="en-US" sz="3400" b="0" i="1" smtClean="0">
-                            <a:latin typeface="Cambria Math" panose="02040503050406030204" pitchFamily="18" charset="0"/>
-                          </a:rPr>
-                        </m:ctrlPr>
-                      </m:dPr>
-                      <m:e>
-                        <m:r>
-                          <a:rPr lang="en-US" sz="3400" b="0" i="1" smtClean="0">
-                            <a:latin typeface="Cambria Math" panose="02040503050406030204" pitchFamily="18" charset="0"/>
-                          </a:rPr>
-                          <m:t>2</m:t>
-                        </m:r>
-                      </m:e>
-                    </m:d>
-                    <m:r>
-                      <a:rPr lang="en-US" sz="3400" b="0" i="1" smtClean="0">
-                        <a:latin typeface="Cambria Math" panose="02040503050406030204" pitchFamily="18" charset="0"/>
-                      </a:rPr>
-                      <m:t>=6</m:t>
-                    </m:r>
-                    <m:d>
-                      <m:dPr>
-                        <m:ctrlPr>
-                          <a:rPr lang="en-US" sz="3400" b="0" i="1" smtClean="0">
-                            <a:latin typeface="Cambria Math" panose="02040503050406030204" pitchFamily="18" charset="0"/>
-                          </a:rPr>
-                        </m:ctrlPr>
-                      </m:dPr>
-                      <m:e>
-                        <m:r>
-                          <a:rPr lang="en-US" sz="3400" b="0" i="1" smtClean="0">
-                            <a:latin typeface="Cambria Math" panose="02040503050406030204" pitchFamily="18" charset="0"/>
-                          </a:rPr>
-                          <m:t>2</m:t>
-                        </m:r>
-                      </m:e>
-                    </m:d>
-                    <m:r>
-                      <a:rPr lang="en-US" sz="3400" b="0" i="1" smtClean="0">
-                        <a:latin typeface="Cambria Math" panose="02040503050406030204" pitchFamily="18" charset="0"/>
-                      </a:rPr>
-                      <m:t>−6 →</m:t>
-                    </m:r>
-                    <m:sSup>
-                      <m:sSupPr>
-                        <m:ctrlPr>
-                          <a:rPr lang="en-US" sz="3400" b="0" i="1" smtClean="0">
-                            <a:latin typeface="Cambria Math" panose="02040503050406030204" pitchFamily="18" charset="0"/>
-                          </a:rPr>
-                        </m:ctrlPr>
-                      </m:sSupPr>
-                      <m:e>
-                        <m:r>
-                          <a:rPr lang="en-US" sz="3400" b="0" i="1" smtClean="0">
-                            <a:latin typeface="Cambria Math" panose="02040503050406030204" pitchFamily="18" charset="0"/>
-                          </a:rPr>
-                          <m:t>𝑓</m:t>
-                        </m:r>
-                      </m:e>
-                      <m:sup>
-                        <m:r>
-                          <a:rPr lang="en-US" sz="3400" b="0" i="1" smtClean="0">
-                            <a:latin typeface="Cambria Math" panose="02040503050406030204" pitchFamily="18" charset="0"/>
-                          </a:rPr>
-                          <m:t>′</m:t>
-                        </m:r>
-                      </m:sup>
-                    </m:sSup>
-                    <m:d>
-                      <m:dPr>
-                        <m:ctrlPr>
-                          <a:rPr lang="en-US" sz="3400" b="0" i="1" smtClean="0">
-                            <a:latin typeface="Cambria Math" panose="02040503050406030204" pitchFamily="18" charset="0"/>
-                          </a:rPr>
-                        </m:ctrlPr>
-                      </m:dPr>
-                      <m:e>
-                        <m:r>
-                          <a:rPr lang="en-US" sz="3400" b="0" i="1" smtClean="0">
-                            <a:latin typeface="Cambria Math" panose="02040503050406030204" pitchFamily="18" charset="0"/>
-                          </a:rPr>
-                          <m:t>2</m:t>
-                        </m:r>
-                      </m:e>
-                    </m:d>
-                    <m:r>
-                      <a:rPr lang="en-US" sz="3400" b="0" i="1" smtClean="0">
-                        <a:latin typeface="Cambria Math" panose="02040503050406030204" pitchFamily="18" charset="0"/>
-                      </a:rPr>
-                      <m:t>=6</m:t>
-                    </m:r>
-                  </m:oMath>
-                </a14:m>
-                <a:endParaRPr lang="en-US" sz="3400" dirty="0" smtClean="0"/>
-              </a:p>
-              <a:p>
-                <a:pPr marL="0" indent="0">
-                  <a:buNone/>
-                </a:pPr>
-                <a:endParaRPr lang="en-US" sz="3400" dirty="0"/>
-              </a:p>
-              <a:p>
-                <a:pPr marL="0" indent="0">
-                  <a:buNone/>
-                </a:pPr>
-                <a:r>
-                  <a:rPr lang="en-US" sz="3400" dirty="0" smtClean="0"/>
-                  <a:t>Do you like this process better than….</a:t>
-                </a:r>
-                <a:endParaRPr lang="en-US" sz="3400" dirty="0"/>
-              </a:p>
-            </p:txBody>
-          </p:sp>
-        </mc:Choice>
-        <mc:Fallback xmlns="">
-          <p:sp>
-            <p:nvSpPr>
-              <p:cNvPr id="3" name="Content Placeholder 2"/>
-              <p:cNvSpPr>
-                <a:spLocks noGrp="1" noRot="1" noChangeAspect="1" noMove="1" noResize="1" noEditPoints="1" noAdjustHandles="1" noChangeArrowheads="1" noChangeShapeType="1" noTextEdit="1"/>
-              </p:cNvSpPr>
-              <p:nvPr>
-                <p:ph idx="1"/>
-              </p:nvPr>
-            </p:nvSpPr>
-            <p:spPr>
-              <a:xfrm>
-                <a:off x="1371600" y="1746353"/>
-                <a:ext cx="9601200" cy="5111647"/>
-              </a:xfrm>
-              <a:blipFill rotWithShape="0">
-                <a:blip r:embed="rId3"/>
-                <a:stretch>
-                  <a:fillRect l="-1778" b="-596"/>
-                </a:stretch>
-              </a:blipFill>
-            </p:spPr>
-            <p:txBody>
-              <a:bodyPr/>
-              <a:lstStyle/>
-              <a:p>
-                <a:r>
-                  <a:rPr lang="en-US">
-                    <a:noFill/>
-                  </a:rPr>
-                  <a:t> </a:t>
-                </a:r>
-              </a:p>
-            </p:txBody>
-          </p:sp>
-        </mc:Fallback>
-      </mc:AlternateContent>
     </p:spTree>
     <p:extLst>
       <p:ext uri="{BB962C8B-B14F-4D97-AF65-F5344CB8AC3E}">
-        <p14:creationId xmlns:p14="http://schemas.microsoft.com/office/powerpoint/2010/main" val="2582902666"/>
+        <p14:creationId xmlns:p14="http://schemas.microsoft.com/office/powerpoint/2010/main" val="1663447968"/>
       </p:ext>
     </p:extLst>
   </p:cSld>
   <p:clrMapOvr>
     <a:masterClrMapping/>
   </p:clrMapOvr>
+  <p:timing>
+    <p:tnLst>
+      <p:par>
+        <p:cTn id="1" dur="indefinite" restart="never" nodeType="tmRoot"/>
+      </p:par>
+    </p:tnLst>
+  </p:timing>
 </p:sld>
 </file>
 
-<file path=ppt/slides/slide11.xml><?xml version="1.0" encoding="utf-8"?>
+<file path=ppt/slides/slide12.xml><?xml version="1.0" encoding="utf-8"?>
 <p:sld xmlns:a="http://schemas.openxmlformats.org/drawingml/2006/main" xmlns:r="http://schemas.openxmlformats.org/officeDocument/2006/relationships" xmlns:p="http://schemas.openxmlformats.org/presentationml/2006/main">
   <p:cSld>
     <p:spTree>
@@ -4890,11 +4571,15 @@
             </a:pPr>
             <a:r>
               <a:rPr lang="en-US" sz="3200" b="1" dirty="0" smtClean="0"/>
-              <a:t>Page 878 #8, 43</a:t>
-            </a:r>
-            <a:r>
-              <a:rPr lang="en-US" sz="3200" b="1" smtClean="0"/>
-              <a:t>, 59, 71</a:t>
+              <a:t>Page 878 #8, 43, </a:t>
+            </a:r>
+            <a:r>
+              <a:rPr lang="en-US" sz="3200" b="1" dirty="0" smtClean="0"/>
+              <a:t>46,  59, 62, </a:t>
+            </a:r>
+            <a:r>
+              <a:rPr lang="en-US" sz="3200" b="1" dirty="0" smtClean="0"/>
+              <a:t>71</a:t>
             </a:r>
             <a:endParaRPr lang="en-US" sz="2400" dirty="0"/>
           </a:p>
@@ -4985,11 +4670,7 @@
           <a:p>
             <a:r>
               <a:rPr lang="en-US" dirty="0" smtClean="0"/>
-              <a:t>Day </a:t>
-            </a:r>
-            <a:r>
-              <a:rPr lang="en-US" dirty="0" smtClean="0"/>
-              <a:t>73</a:t>
+              <a:t>Day 73</a:t>
             </a:r>
             <a:endParaRPr lang="en-US" dirty="0"/>
           </a:p>
@@ -5367,6 +5048,13 @@
   <p:clrMapOvr>
     <a:masterClrMapping/>
   </p:clrMapOvr>
+  <p:timing>
+    <p:tnLst>
+      <p:par>
+        <p:cTn id="1" dur="indefinite" restart="never" nodeType="tmRoot"/>
+      </p:par>
+    </p:tnLst>
+  </p:timing>
 </p:sld>
 </file>
 
@@ -5459,8 +5147,8 @@
           </a:p>
         </p:txBody>
       </p:sp>
-      <mc:AlternateContent xmlns:mc="http://schemas.openxmlformats.org/markup-compatibility/2006" xmlns:a14="http://schemas.microsoft.com/office/drawing/2010/main">
-        <mc:Choice Requires="a14">
+      <mc:AlternateContent xmlns:mc="http://schemas.openxmlformats.org/markup-compatibility/2006">
+        <mc:Choice xmlns:a14="http://schemas.microsoft.com/office/drawing/2010/main" Requires="a14">
           <p:sp>
             <p:nvSpPr>
               <p:cNvPr id="3" name="Content Placeholder 2"/>
@@ -5491,7 +5179,7 @@
                     </m:oMathParaPr>
                     <m:oMath xmlns:m="http://schemas.openxmlformats.org/officeDocument/2006/math">
                       <m:r>
-                        <a:rPr lang="en-US" sz="3000" i="1">
+                        <a:rPr lang="en-US" sz="3000" i="1" smtClean="0">
                           <a:latin typeface="Cambria Math" panose="02040503050406030204" pitchFamily="18" charset="0"/>
                         </a:rPr>
                         <m:t>𝑓</m:t>
@@ -5566,7 +5254,7 @@
                         <a:rPr lang="en-US" sz="3000" i="1">
                           <a:latin typeface="Cambria Math" panose="02040503050406030204" pitchFamily="18" charset="0"/>
                         </a:rPr>
-                        <m:t>      (2, 0) </m:t>
+                        <m:t>      (3, 9) </m:t>
                       </m:r>
                     </m:oMath>
                   </m:oMathPara>
@@ -5579,7 +5267,7 @@
             </p:txBody>
           </p:sp>
         </mc:Choice>
-        <mc:Fallback xmlns="">
+        <mc:Fallback>
           <p:sp>
             <p:nvSpPr>
               <p:cNvPr id="3" name="Content Placeholder 2"/>
@@ -5627,6 +5315,13 @@
   <p:clrMapOvr>
     <a:masterClrMapping/>
   </p:clrMapOvr>
+  <p:timing>
+    <p:tnLst>
+      <p:par>
+        <p:cTn id="1" dur="indefinite" restart="never" nodeType="tmRoot"/>
+      </p:par>
+    </p:tnLst>
+  </p:timing>
 </p:sld>
 </file>
 
@@ -6820,6 +6515,13 @@
   <p:clrMapOvr>
     <a:masterClrMapping/>
   </p:clrMapOvr>
+  <p:timing>
+    <p:tnLst>
+      <p:par>
+        <p:cTn id="1" dur="indefinite" restart="never" nodeType="tmRoot"/>
+      </p:par>
+    </p:tnLst>
+  </p:timing>
 </p:sld>
 </file>
 
@@ -6910,11 +6612,23 @@
             </a:r>
             <a:r>
               <a:rPr lang="en-US" sz="3000" i="1" dirty="0"/>
-              <a:t>slope of the tangent through (2,0) is at f’(2)=</a:t>
+              <a:t>slope of the tangent through </a:t>
             </a:r>
             <a:r>
               <a:rPr lang="en-US" sz="3000" i="1" dirty="0" smtClean="0"/>
-              <a:t>6(2) – 6 …</a:t>
+              <a:t>(3,9) </a:t>
+            </a:r>
+            <a:r>
+              <a:rPr lang="en-US" sz="3000" i="1" dirty="0"/>
+              <a:t>is at f</a:t>
+            </a:r>
+            <a:r>
+              <a:rPr lang="en-US" sz="3000" i="1" dirty="0" smtClean="0"/>
+              <a:t>’(3)=6(3) </a:t>
+            </a:r>
+            <a:r>
+              <a:rPr lang="en-US" sz="3000" i="1" dirty="0" smtClean="0"/>
+              <a:t>– 6 …</a:t>
             </a:r>
           </a:p>
           <a:p>
@@ -6927,7 +6641,15 @@
             </a:r>
             <a:r>
               <a:rPr lang="en-US" sz="3000" i="1" dirty="0" smtClean="0"/>
-              <a:t>’(2) = 6</a:t>
+              <a:t>’(3) </a:t>
+            </a:r>
+            <a:r>
+              <a:rPr lang="en-US" sz="3000" i="1" dirty="0" smtClean="0"/>
+              <a:t>= </a:t>
+            </a:r>
+            <a:r>
+              <a:rPr lang="en-US" sz="3000" i="1" dirty="0" smtClean="0"/>
+              <a:t>12</a:t>
             </a:r>
             <a:endParaRPr lang="en-US" sz="3000" dirty="0"/>
           </a:p>
@@ -6959,6 +6681,13 @@
   <p:clrMapOvr>
     <a:masterClrMapping/>
   </p:clrMapOvr>
+  <p:timing>
+    <p:tnLst>
+      <p:par>
+        <p:cTn id="1" dur="indefinite" restart="never" nodeType="tmRoot"/>
+      </p:par>
+    </p:tnLst>
+  </p:timing>
 </p:sld>
 </file>
 
@@ -7003,7 +6732,11 @@
           <a:p>
             <a:r>
               <a:rPr lang="en-US" dirty="0" smtClean="0"/>
-              <a:t>Could we find the equation of the line (not just the slope) through the point (2,0)?</a:t>
+              <a:t>Could we find the equation of the line (not just the slope) through the point </a:t>
+            </a:r>
+            <a:r>
+              <a:rPr lang="en-US" dirty="0" smtClean="0"/>
+              <a:t>(3,9)?</a:t>
             </a:r>
             <a:endParaRPr lang="en-US" dirty="0"/>
           </a:p>
@@ -7052,7 +6785,11 @@
           <a:p>
             <a:r>
               <a:rPr lang="en-US" dirty="0" smtClean="0"/>
-              <a:t>What if we wanted to find the slope through the point (3,9)?</a:t>
+              <a:t>What if we wanted to find the slope through the point </a:t>
+            </a:r>
+            <a:r>
+              <a:rPr lang="en-US" dirty="0" smtClean="0"/>
+              <a:t>(2,0)?</a:t>
             </a:r>
             <a:endParaRPr lang="en-US" dirty="0"/>
           </a:p>
@@ -7068,6 +6805,13 @@
   <p:clrMapOvr>
     <a:masterClrMapping/>
   </p:clrMapOvr>
+  <p:timing>
+    <p:tnLst>
+      <p:par>
+        <p:cTn id="1" dur="indefinite" restart="never" nodeType="tmRoot"/>
+      </p:par>
+    </p:tnLst>
+  </p:timing>
 </p:sld>
 </file>
 
@@ -7105,7 +6849,7 @@
           <a:p>
             <a:r>
               <a:rPr lang="en-US" dirty="0" smtClean="0"/>
-              <a:t>From last time…</a:t>
+              <a:t>Another way to find the derivative… </a:t>
             </a:r>
             <a:endParaRPr lang="en-US" dirty="0"/>
           </a:p>
@@ -7128,42 +6872,18 @@
           </a:bodyPr>
           <a:lstStyle/>
           <a:p>
-            <a:pPr marL="0" indent="0">
-              <a:buNone/>
-            </a:pPr>
-            <a:r>
-              <a:rPr lang="en-US" sz="3200" b="1" dirty="0"/>
-              <a:t>Page 868 #5, 7, 9, 11, 49</a:t>
-            </a:r>
-          </a:p>
-          <a:p>
-            <a:pPr marL="0" indent="0">
-              <a:buNone/>
-            </a:pPr>
-            <a:endParaRPr lang="en-US" sz="3200" b="1" dirty="0"/>
-          </a:p>
-          <a:p>
-            <a:pPr marL="0" indent="0">
-              <a:buNone/>
-            </a:pPr>
-            <a:r>
-              <a:rPr lang="en-US" sz="3200" b="1" dirty="0"/>
-              <a:t>Page 878 #5, 6, 9, 10</a:t>
-            </a:r>
-            <a:endParaRPr lang="en-US" sz="2400" dirty="0"/>
-          </a:p>
-          <a:p>
-            <a:pPr marL="0" indent="0">
-              <a:buNone/>
-            </a:pPr>
-            <a:endParaRPr lang="en-US" sz="2400" dirty="0"/>
+            <a:r>
+              <a:rPr lang="en-US" sz="3000" dirty="0" smtClean="0"/>
+              <a:t>For each term, multiply the exponent of each variable with it’s coefficient (creating a new coefficient) and subtract one from the given exponent </a:t>
+            </a:r>
+            <a:endParaRPr lang="en-US" sz="3000" dirty="0"/>
           </a:p>
         </p:txBody>
       </p:sp>
     </p:spTree>
     <p:extLst>
       <p:ext uri="{BB962C8B-B14F-4D97-AF65-F5344CB8AC3E}">
-        <p14:creationId xmlns:p14="http://schemas.microsoft.com/office/powerpoint/2010/main" val="1116071444"/>
+        <p14:creationId xmlns:p14="http://schemas.microsoft.com/office/powerpoint/2010/main" val="1367273948"/>
       </p:ext>
     </p:extLst>
   </p:cSld>
@@ -7197,64 +6917,655 @@
           <a:chExt cx="0" cy="0"/>
         </a:xfrm>
       </p:grpSpPr>
-      <p:sp>
-        <p:nvSpPr>
-          <p:cNvPr id="2" name="Title 1"/>
-          <p:cNvSpPr>
-            <a:spLocks noGrp="1"/>
-          </p:cNvSpPr>
-          <p:nvPr>
-            <p:ph type="title"/>
-          </p:nvPr>
-        </p:nvSpPr>
-        <p:spPr/>
-        <p:txBody>
-          <a:bodyPr/>
-          <a:lstStyle/>
-          <a:p>
-            <a:r>
-              <a:rPr lang="en-US" dirty="0" smtClean="0"/>
-              <a:t>Another way to find the derivative… </a:t>
-            </a:r>
-            <a:endParaRPr lang="en-US" dirty="0"/>
-          </a:p>
-        </p:txBody>
-      </p:sp>
-      <p:sp>
-        <p:nvSpPr>
-          <p:cNvPr id="3" name="Content Placeholder 2"/>
-          <p:cNvSpPr>
-            <a:spLocks noGrp="1"/>
-          </p:cNvSpPr>
-          <p:nvPr>
-            <p:ph idx="1"/>
-          </p:nvPr>
-        </p:nvSpPr>
-        <p:spPr/>
-        <p:txBody>
-          <a:bodyPr>
-            <a:normAutofit/>
-          </a:bodyPr>
-          <a:lstStyle/>
-          <a:p>
-            <a:r>
-              <a:rPr lang="en-US" sz="3000" dirty="0" smtClean="0"/>
-              <a:t>For each term, multiply the exponent of each variable with it’s coefficient (creating a new coefficient) and subtract one from the given exponent </a:t>
-            </a:r>
-            <a:endParaRPr lang="en-US" sz="3000" dirty="0"/>
-          </a:p>
-        </p:txBody>
-      </p:sp>
+      <mc:AlternateContent xmlns:mc="http://schemas.openxmlformats.org/markup-compatibility/2006" xmlns:a14="http://schemas.microsoft.com/office/drawing/2010/main">
+        <mc:Choice Requires="a14">
+          <p:sp>
+            <p:nvSpPr>
+              <p:cNvPr id="2" name="Title 1"/>
+              <p:cNvSpPr>
+                <a:spLocks noGrp="1"/>
+              </p:cNvSpPr>
+              <p:nvPr>
+                <p:ph type="title"/>
+              </p:nvPr>
+            </p:nvSpPr>
+            <p:spPr/>
+            <p:txBody>
+              <a:bodyPr/>
+              <a:lstStyle/>
+              <a:p>
+                <a:pPr/>
+                <a14:m>
+                  <m:oMathPara xmlns:m="http://schemas.openxmlformats.org/officeDocument/2006/math">
+                    <m:oMathParaPr>
+                      <m:jc m:val="left"/>
+                    </m:oMathParaPr>
+                    <m:oMath xmlns:m="http://schemas.openxmlformats.org/officeDocument/2006/math">
+                      <m:r>
+                        <a:rPr lang="en-US" sz="3400" i="1">
+                          <a:latin typeface="Cambria Math" panose="02040503050406030204" pitchFamily="18" charset="0"/>
+                        </a:rPr>
+                        <m:t>𝑓</m:t>
+                      </m:r>
+                      <m:d>
+                        <m:dPr>
+                          <m:ctrlPr>
+                            <a:rPr lang="en-US" sz="3400" i="1">
+                              <a:latin typeface="Cambria Math" panose="02040503050406030204" pitchFamily="18" charset="0"/>
+                            </a:rPr>
+                          </m:ctrlPr>
+                        </m:dPr>
+                        <m:e>
+                          <m:r>
+                            <a:rPr lang="en-US" sz="3400" i="1">
+                              <a:latin typeface="Cambria Math" panose="02040503050406030204" pitchFamily="18" charset="0"/>
+                            </a:rPr>
+                            <m:t>𝑥</m:t>
+                          </m:r>
+                        </m:e>
+                      </m:d>
+                      <m:r>
+                        <a:rPr lang="en-US" sz="3400" i="1">
+                          <a:latin typeface="Cambria Math" panose="02040503050406030204" pitchFamily="18" charset="0"/>
+                        </a:rPr>
+                        <m:t>=</m:t>
+                      </m:r>
+                      <m:sSup>
+                        <m:sSupPr>
+                          <m:ctrlPr>
+                            <a:rPr lang="en-US" sz="3400" i="1">
+                              <a:latin typeface="Cambria Math" panose="02040503050406030204" pitchFamily="18" charset="0"/>
+                            </a:rPr>
+                          </m:ctrlPr>
+                        </m:sSupPr>
+                        <m:e>
+                          <m:r>
+                            <a:rPr lang="en-US" sz="3400" i="1">
+                              <a:latin typeface="Cambria Math" panose="02040503050406030204" pitchFamily="18" charset="0"/>
+                            </a:rPr>
+                            <m:t>3</m:t>
+                          </m:r>
+                          <m:r>
+                            <a:rPr lang="en-US" sz="3400" i="1">
+                              <a:latin typeface="Cambria Math" panose="02040503050406030204" pitchFamily="18" charset="0"/>
+                            </a:rPr>
+                            <m:t>𝑥</m:t>
+                          </m:r>
+                        </m:e>
+                        <m:sup>
+                          <m:r>
+                            <a:rPr lang="en-US" sz="3400" i="1">
+                              <a:latin typeface="Cambria Math" panose="02040503050406030204" pitchFamily="18" charset="0"/>
+                            </a:rPr>
+                            <m:t>2</m:t>
+                          </m:r>
+                        </m:sup>
+                      </m:sSup>
+                      <m:r>
+                        <a:rPr lang="en-US" sz="3400" i="1">
+                          <a:latin typeface="Cambria Math" panose="02040503050406030204" pitchFamily="18" charset="0"/>
+                        </a:rPr>
+                        <m:t>−6</m:t>
+                      </m:r>
+                      <m:r>
+                        <a:rPr lang="en-US" sz="3400" i="1">
+                          <a:latin typeface="Cambria Math" panose="02040503050406030204" pitchFamily="18" charset="0"/>
+                        </a:rPr>
+                        <m:t>𝑥</m:t>
+                      </m:r>
+                      <m:r>
+                        <a:rPr lang="en-US" sz="3400" i="1">
+                          <a:latin typeface="Cambria Math" panose="02040503050406030204" pitchFamily="18" charset="0"/>
+                        </a:rPr>
+                        <m:t>      (2, 0) </m:t>
+                      </m:r>
+                    </m:oMath>
+                  </m:oMathPara>
+                </a14:m>
+                <a:endParaRPr lang="en-US" sz="3400" dirty="0"/>
+              </a:p>
+            </p:txBody>
+          </p:sp>
+        </mc:Choice>
+        <mc:Fallback xmlns="">
+          <p:sp>
+            <p:nvSpPr>
+              <p:cNvPr id="2" name="Title 1"/>
+              <p:cNvSpPr>
+                <a:spLocks noGrp="1" noRot="1" noChangeAspect="1" noMove="1" noResize="1" noEditPoints="1" noAdjustHandles="1" noChangeArrowheads="1" noChangeShapeType="1" noTextEdit="1"/>
+              </p:cNvSpPr>
+              <p:nvPr>
+                <p:ph type="title"/>
+              </p:nvPr>
+            </p:nvSpPr>
+            <p:spPr>
+              <a:blipFill rotWithShape="0">
+                <a:blip r:embed="rId2"/>
+                <a:stretch>
+                  <a:fillRect/>
+                </a:stretch>
+              </a:blipFill>
+            </p:spPr>
+            <p:txBody>
+              <a:bodyPr/>
+              <a:lstStyle/>
+              <a:p>
+                <a:r>
+                  <a:rPr lang="en-US">
+                    <a:noFill/>
+                  </a:rPr>
+                  <a:t> </a:t>
+                </a:r>
+              </a:p>
+            </p:txBody>
+          </p:sp>
+        </mc:Fallback>
+      </mc:AlternateContent>
+      <mc:AlternateContent xmlns:mc="http://schemas.openxmlformats.org/markup-compatibility/2006">
+        <mc:Choice xmlns:a14="http://schemas.microsoft.com/office/drawing/2010/main" Requires="a14">
+          <p:sp>
+            <p:nvSpPr>
+              <p:cNvPr id="3" name="Content Placeholder 2"/>
+              <p:cNvSpPr>
+                <a:spLocks noGrp="1"/>
+              </p:cNvSpPr>
+              <p:nvPr>
+                <p:ph idx="1"/>
+              </p:nvPr>
+            </p:nvSpPr>
+            <p:spPr>
+              <a:xfrm>
+                <a:off x="1371600" y="1746353"/>
+                <a:ext cx="9601200" cy="5111647"/>
+              </a:xfrm>
+            </p:spPr>
+            <p:txBody>
+              <a:bodyPr>
+                <a:normAutofit/>
+              </a:bodyPr>
+              <a:lstStyle/>
+              <a:p>
+                <a:pPr marL="0" indent="0">
+                  <a:buNone/>
+                </a:pPr>
+                <a14:m>
+                  <m:oMathPara xmlns:m="http://schemas.openxmlformats.org/officeDocument/2006/math">
+                    <m:oMathParaPr>
+                      <m:jc m:val="left"/>
+                    </m:oMathParaPr>
+                    <m:oMath xmlns:m="http://schemas.openxmlformats.org/officeDocument/2006/math">
+                      <m:sSup>
+                        <m:sSupPr>
+                          <m:ctrlPr>
+                            <a:rPr lang="en-US" sz="3400" i="1" smtClean="0">
+                              <a:latin typeface="Cambria Math" panose="02040503050406030204" pitchFamily="18" charset="0"/>
+                            </a:rPr>
+                          </m:ctrlPr>
+                        </m:sSupPr>
+                        <m:e>
+                          <m:sSup>
+                            <m:sSupPr>
+                              <m:ctrlPr>
+                                <a:rPr lang="en-US" sz="3400" b="0" i="1" smtClean="0">
+                                  <a:latin typeface="Cambria Math" panose="02040503050406030204" pitchFamily="18" charset="0"/>
+                                </a:rPr>
+                              </m:ctrlPr>
+                            </m:sSupPr>
+                            <m:e>
+                              <m:r>
+                                <a:rPr lang="en-US" sz="3400" b="0" i="1" smtClean="0">
+                                  <a:latin typeface="Cambria Math" panose="02040503050406030204" pitchFamily="18" charset="0"/>
+                                </a:rPr>
+                                <m:t>𝑓</m:t>
+                              </m:r>
+                            </m:e>
+                            <m:sup>
+                              <m:r>
+                                <a:rPr lang="en-US" sz="3400" b="0" i="1" smtClean="0">
+                                  <a:latin typeface="Cambria Math" panose="02040503050406030204" pitchFamily="18" charset="0"/>
+                                </a:rPr>
+                                <m:t>′</m:t>
+                              </m:r>
+                            </m:sup>
+                          </m:sSup>
+                          <m:d>
+                            <m:dPr>
+                              <m:ctrlPr>
+                                <a:rPr lang="en-US" sz="3400" b="0" i="1" smtClean="0">
+                                  <a:latin typeface="Cambria Math" panose="02040503050406030204" pitchFamily="18" charset="0"/>
+                                </a:rPr>
+                              </m:ctrlPr>
+                            </m:dPr>
+                            <m:e>
+                              <m:r>
+                                <a:rPr lang="en-US" sz="3400" b="0" i="1" smtClean="0">
+                                  <a:latin typeface="Cambria Math" panose="02040503050406030204" pitchFamily="18" charset="0"/>
+                                </a:rPr>
+                                <m:t>𝑥</m:t>
+                              </m:r>
+                            </m:e>
+                          </m:d>
+                          <m:r>
+                            <a:rPr lang="en-US" sz="3400" b="0" i="1" smtClean="0">
+                              <a:latin typeface="Cambria Math" panose="02040503050406030204" pitchFamily="18" charset="0"/>
+                            </a:rPr>
+                            <m:t>=(2)</m:t>
+                          </m:r>
+                          <m:r>
+                            <a:rPr lang="en-US" sz="3400" i="1">
+                              <a:latin typeface="Cambria Math" panose="02040503050406030204" pitchFamily="18" charset="0"/>
+                            </a:rPr>
+                            <m:t>3</m:t>
+                          </m:r>
+                          <m:r>
+                            <a:rPr lang="en-US" sz="3400" i="1">
+                              <a:latin typeface="Cambria Math" panose="02040503050406030204" pitchFamily="18" charset="0"/>
+                            </a:rPr>
+                            <m:t>𝑥</m:t>
+                          </m:r>
+                        </m:e>
+                        <m:sup>
+                          <m:r>
+                            <a:rPr lang="en-US" sz="3400" i="1">
+                              <a:latin typeface="Cambria Math" panose="02040503050406030204" pitchFamily="18" charset="0"/>
+                            </a:rPr>
+                            <m:t>2</m:t>
+                          </m:r>
+                          <m:r>
+                            <a:rPr lang="en-US" sz="3400" b="0" i="1" smtClean="0">
+                              <a:latin typeface="Cambria Math" panose="02040503050406030204" pitchFamily="18" charset="0"/>
+                            </a:rPr>
+                            <m:t>−1</m:t>
+                          </m:r>
+                        </m:sup>
+                      </m:sSup>
+                      <m:r>
+                        <a:rPr lang="en-US" sz="3400" i="1">
+                          <a:latin typeface="Cambria Math" panose="02040503050406030204" pitchFamily="18" charset="0"/>
+                        </a:rPr>
+                        <m:t>−</m:t>
+                      </m:r>
+                      <m:d>
+                        <m:dPr>
+                          <m:ctrlPr>
+                            <a:rPr lang="en-US" sz="3400" b="0" i="1" smtClean="0">
+                              <a:latin typeface="Cambria Math" panose="02040503050406030204" pitchFamily="18" charset="0"/>
+                            </a:rPr>
+                          </m:ctrlPr>
+                        </m:dPr>
+                        <m:e>
+                          <m:r>
+                            <a:rPr lang="en-US" sz="3400" b="0" i="1" smtClean="0">
+                              <a:latin typeface="Cambria Math" panose="02040503050406030204" pitchFamily="18" charset="0"/>
+                            </a:rPr>
+                            <m:t>1</m:t>
+                          </m:r>
+                        </m:e>
+                      </m:d>
+                      <m:r>
+                        <a:rPr lang="en-US" sz="3400" i="1">
+                          <a:latin typeface="Cambria Math" panose="02040503050406030204" pitchFamily="18" charset="0"/>
+                        </a:rPr>
+                        <m:t>6</m:t>
+                      </m:r>
+                      <m:sSup>
+                        <m:sSupPr>
+                          <m:ctrlPr>
+                            <a:rPr lang="en-US" sz="3400" i="1">
+                              <a:latin typeface="Cambria Math" panose="02040503050406030204" pitchFamily="18" charset="0"/>
+                            </a:rPr>
+                          </m:ctrlPr>
+                        </m:sSupPr>
+                        <m:e>
+                          <m:r>
+                            <a:rPr lang="en-US" sz="3400" i="1">
+                              <a:latin typeface="Cambria Math" panose="02040503050406030204" pitchFamily="18" charset="0"/>
+                            </a:rPr>
+                            <m:t>𝑥</m:t>
+                          </m:r>
+                        </m:e>
+                        <m:sup>
+                          <m:r>
+                            <a:rPr lang="en-US" sz="3400" b="0" i="1" smtClean="0">
+                              <a:latin typeface="Cambria Math" panose="02040503050406030204" pitchFamily="18" charset="0"/>
+                            </a:rPr>
+                            <m:t>1</m:t>
+                          </m:r>
+                          <m:r>
+                            <a:rPr lang="en-US" sz="3400" i="1">
+                              <a:latin typeface="Cambria Math" panose="02040503050406030204" pitchFamily="18" charset="0"/>
+                            </a:rPr>
+                            <m:t>−1</m:t>
+                          </m:r>
+                        </m:sup>
+                      </m:sSup>
+                    </m:oMath>
+                  </m:oMathPara>
+                </a14:m>
+                <a:endParaRPr lang="en-US" sz="3400" dirty="0" smtClean="0"/>
+              </a:p>
+              <a:p>
+                <a:pPr marL="0" indent="0">
+                  <a:buNone/>
+                </a:pPr>
+                <a:endParaRPr lang="en-US" sz="3400" dirty="0" smtClean="0"/>
+              </a:p>
+              <a:p>
+                <a:pPr marL="0" indent="0">
+                  <a:buNone/>
+                </a:pPr>
+                <a14:m>
+                  <m:oMathPara xmlns:m="http://schemas.openxmlformats.org/officeDocument/2006/math">
+                    <m:oMathParaPr>
+                      <m:jc m:val="left"/>
+                    </m:oMathParaPr>
+                    <m:oMath xmlns:m="http://schemas.openxmlformats.org/officeDocument/2006/math">
+                      <m:sSup>
+                        <m:sSupPr>
+                          <m:ctrlPr>
+                            <a:rPr lang="en-US" sz="3400" b="1" i="1" smtClean="0">
+                              <a:latin typeface="Cambria Math" panose="02040503050406030204" pitchFamily="18" charset="0"/>
+                            </a:rPr>
+                          </m:ctrlPr>
+                        </m:sSupPr>
+                        <m:e>
+                          <m:r>
+                            <a:rPr lang="en-US" sz="3400" b="1" i="1" smtClean="0">
+                              <a:latin typeface="Cambria Math" panose="02040503050406030204" pitchFamily="18" charset="0"/>
+                            </a:rPr>
+                            <m:t>𝒇</m:t>
+                          </m:r>
+                        </m:e>
+                        <m:sup>
+                          <m:r>
+                            <a:rPr lang="en-US" sz="3400" b="1" i="1" smtClean="0">
+                              <a:latin typeface="Cambria Math" panose="02040503050406030204" pitchFamily="18" charset="0"/>
+                            </a:rPr>
+                            <m:t>′</m:t>
+                          </m:r>
+                        </m:sup>
+                      </m:sSup>
+                      <m:d>
+                        <m:dPr>
+                          <m:ctrlPr>
+                            <a:rPr lang="en-US" sz="3400" b="1" i="1" smtClean="0">
+                              <a:latin typeface="Cambria Math" panose="02040503050406030204" pitchFamily="18" charset="0"/>
+                            </a:rPr>
+                          </m:ctrlPr>
+                        </m:dPr>
+                        <m:e>
+                          <m:r>
+                            <a:rPr lang="en-US" sz="3400" b="1" i="1" smtClean="0">
+                              <a:latin typeface="Cambria Math" panose="02040503050406030204" pitchFamily="18" charset="0"/>
+                            </a:rPr>
+                            <m:t>𝒙</m:t>
+                          </m:r>
+                        </m:e>
+                      </m:d>
+                      <m:r>
+                        <a:rPr lang="en-US" sz="3400" b="1" i="1" smtClean="0">
+                          <a:latin typeface="Cambria Math" panose="02040503050406030204" pitchFamily="18" charset="0"/>
+                        </a:rPr>
+                        <m:t>=</m:t>
+                      </m:r>
+                      <m:r>
+                        <a:rPr lang="en-US" sz="3400" b="1" i="1" smtClean="0">
+                          <a:latin typeface="Cambria Math" panose="02040503050406030204" pitchFamily="18" charset="0"/>
+                        </a:rPr>
+                        <m:t>𝟔</m:t>
+                      </m:r>
+                      <m:r>
+                        <a:rPr lang="en-US" sz="3400" b="1" i="1" smtClean="0">
+                          <a:latin typeface="Cambria Math" panose="02040503050406030204" pitchFamily="18" charset="0"/>
+                        </a:rPr>
+                        <m:t>𝒙</m:t>
+                      </m:r>
+                      <m:r>
+                        <a:rPr lang="en-US" sz="3400" b="1" i="1">
+                          <a:latin typeface="Cambria Math" panose="02040503050406030204" pitchFamily="18" charset="0"/>
+                        </a:rPr>
+                        <m:t>−</m:t>
+                      </m:r>
+                      <m:r>
+                        <a:rPr lang="en-US" sz="3400" b="1" i="1">
+                          <a:latin typeface="Cambria Math" panose="02040503050406030204" pitchFamily="18" charset="0"/>
+                        </a:rPr>
+                        <m:t>𝟔</m:t>
+                      </m:r>
+                    </m:oMath>
+                  </m:oMathPara>
+                </a14:m>
+                <a:endParaRPr lang="en-US" sz="3400" b="1" dirty="0" smtClean="0"/>
+              </a:p>
+              <a:p>
+                <a:pPr marL="0" indent="0">
+                  <a:buNone/>
+                </a:pPr>
+                <a:endParaRPr lang="en-US" sz="3400" dirty="0" smtClean="0"/>
+              </a:p>
+              <a:p>
+                <a:pPr marL="0" indent="0">
+                  <a:buNone/>
+                </a:pPr>
+                <a:r>
+                  <a:rPr lang="en-US" sz="3400" dirty="0" smtClean="0"/>
+                  <a:t>Slope of tangent at the point… </a:t>
+                </a:r>
+                <a:endParaRPr lang="en-US" sz="3400" dirty="0"/>
+              </a:p>
+              <a:p>
+                <a:pPr marL="0" indent="0">
+                  <a:buNone/>
+                </a:pPr>
+                <a:r>
+                  <a:rPr lang="en-US" sz="3400" dirty="0" smtClean="0"/>
+                  <a:t>So </a:t>
+                </a:r>
+                <a14:m>
+                  <m:oMath xmlns:m="http://schemas.openxmlformats.org/officeDocument/2006/math">
+                    <m:sSup>
+                      <m:sSupPr>
+                        <m:ctrlPr>
+                          <a:rPr lang="en-US" sz="3400" b="0" i="1" smtClean="0">
+                            <a:latin typeface="Cambria Math" panose="02040503050406030204" pitchFamily="18" charset="0"/>
+                          </a:rPr>
+                        </m:ctrlPr>
+                      </m:sSupPr>
+                      <m:e>
+                        <m:r>
+                          <a:rPr lang="en-US" sz="3400" b="0" i="1" smtClean="0">
+                            <a:latin typeface="Cambria Math" panose="02040503050406030204" pitchFamily="18" charset="0"/>
+                          </a:rPr>
+                          <m:t>𝑓</m:t>
+                        </m:r>
+                      </m:e>
+                      <m:sup>
+                        <m:r>
+                          <a:rPr lang="en-US" sz="3400" b="0" i="1" smtClean="0">
+                            <a:latin typeface="Cambria Math" panose="02040503050406030204" pitchFamily="18" charset="0"/>
+                          </a:rPr>
+                          <m:t>′</m:t>
+                        </m:r>
+                      </m:sup>
+                    </m:sSup>
+                    <m:d>
+                      <m:dPr>
+                        <m:ctrlPr>
+                          <a:rPr lang="en-US" sz="3400" b="0" i="1" smtClean="0">
+                            <a:latin typeface="Cambria Math" panose="02040503050406030204" pitchFamily="18" charset="0"/>
+                          </a:rPr>
+                        </m:ctrlPr>
+                      </m:dPr>
+                      <m:e>
+                        <m:r>
+                          <a:rPr lang="en-US" sz="3400" b="0" i="1" smtClean="0">
+                            <a:latin typeface="Cambria Math" panose="02040503050406030204" pitchFamily="18" charset="0"/>
+                          </a:rPr>
+                          <m:t>2</m:t>
+                        </m:r>
+                      </m:e>
+                    </m:d>
+                    <m:r>
+                      <a:rPr lang="en-US" sz="3400" b="0" i="1" smtClean="0">
+                        <a:latin typeface="Cambria Math" panose="02040503050406030204" pitchFamily="18" charset="0"/>
+                      </a:rPr>
+                      <m:t>=6</m:t>
+                    </m:r>
+                    <m:d>
+                      <m:dPr>
+                        <m:ctrlPr>
+                          <a:rPr lang="en-US" sz="3400" b="0" i="1" smtClean="0">
+                            <a:latin typeface="Cambria Math" panose="02040503050406030204" pitchFamily="18" charset="0"/>
+                          </a:rPr>
+                        </m:ctrlPr>
+                      </m:dPr>
+                      <m:e>
+                        <m:r>
+                          <a:rPr lang="en-US" sz="3400" b="0" i="1" smtClean="0">
+                            <a:latin typeface="Cambria Math" panose="02040503050406030204" pitchFamily="18" charset="0"/>
+                          </a:rPr>
+                          <m:t>3</m:t>
+                        </m:r>
+                      </m:e>
+                    </m:d>
+                    <m:r>
+                      <a:rPr lang="en-US" sz="3400" b="0" i="1" smtClean="0">
+                        <a:latin typeface="Cambria Math" panose="02040503050406030204" pitchFamily="18" charset="0"/>
+                      </a:rPr>
+                      <m:t>−6 →</m:t>
+                    </m:r>
+                    <m:sSup>
+                      <m:sSupPr>
+                        <m:ctrlPr>
+                          <a:rPr lang="en-US" sz="3400" b="0" i="1" smtClean="0">
+                            <a:latin typeface="Cambria Math" panose="02040503050406030204" pitchFamily="18" charset="0"/>
+                          </a:rPr>
+                        </m:ctrlPr>
+                      </m:sSupPr>
+                      <m:e>
+                        <m:r>
+                          <a:rPr lang="en-US" sz="3400" b="0" i="1" smtClean="0">
+                            <a:latin typeface="Cambria Math" panose="02040503050406030204" pitchFamily="18" charset="0"/>
+                          </a:rPr>
+                          <m:t>𝑓</m:t>
+                        </m:r>
+                      </m:e>
+                      <m:sup>
+                        <m:r>
+                          <a:rPr lang="en-US" sz="3400" b="0" i="1" smtClean="0">
+                            <a:latin typeface="Cambria Math" panose="02040503050406030204" pitchFamily="18" charset="0"/>
+                          </a:rPr>
+                          <m:t>′</m:t>
+                        </m:r>
+                      </m:sup>
+                    </m:sSup>
+                    <m:d>
+                      <m:dPr>
+                        <m:ctrlPr>
+                          <a:rPr lang="en-US" sz="3400" b="0" i="1" smtClean="0">
+                            <a:latin typeface="Cambria Math" panose="02040503050406030204" pitchFamily="18" charset="0"/>
+                          </a:rPr>
+                        </m:ctrlPr>
+                      </m:dPr>
+                      <m:e>
+                        <m:r>
+                          <a:rPr lang="en-US" sz="3400" b="0" i="1" smtClean="0">
+                            <a:latin typeface="Cambria Math" panose="02040503050406030204" pitchFamily="18" charset="0"/>
+                          </a:rPr>
+                          <m:t>3</m:t>
+                        </m:r>
+                      </m:e>
+                    </m:d>
+                    <m:r>
+                      <a:rPr lang="en-US" sz="3400" b="0" i="1" smtClean="0">
+                        <a:latin typeface="Cambria Math" panose="02040503050406030204" pitchFamily="18" charset="0"/>
+                      </a:rPr>
+                      <m:t>=</m:t>
+                    </m:r>
+                    <m:r>
+                      <a:rPr lang="en-US" sz="3400" b="0" i="1" smtClean="0">
+                        <a:latin typeface="Cambria Math" panose="02040503050406030204" pitchFamily="18" charset="0"/>
+                      </a:rPr>
+                      <m:t>12</m:t>
+                    </m:r>
+                  </m:oMath>
+                </a14:m>
+                <a:endParaRPr lang="en-US" sz="3400" dirty="0" smtClean="0"/>
+              </a:p>
+              <a:p>
+                <a:pPr marL="0" indent="0">
+                  <a:buNone/>
+                </a:pPr>
+                <a:endParaRPr lang="en-US" sz="3400" dirty="0"/>
+              </a:p>
+              <a:p>
+                <a:pPr marL="0" indent="0">
+                  <a:buNone/>
+                </a:pPr>
+                <a:r>
+                  <a:rPr lang="en-US" sz="3400" dirty="0" smtClean="0"/>
+                  <a:t>Do you like this process better than….</a:t>
+                </a:r>
+                <a:endParaRPr lang="en-US" sz="3400" dirty="0"/>
+              </a:p>
+            </p:txBody>
+          </p:sp>
+        </mc:Choice>
+        <mc:Fallback>
+          <p:sp>
+            <p:nvSpPr>
+              <p:cNvPr id="3" name="Content Placeholder 2"/>
+              <p:cNvSpPr>
+                <a:spLocks noGrp="1" noRot="1" noChangeAspect="1" noMove="1" noResize="1" noEditPoints="1" noAdjustHandles="1" noChangeArrowheads="1" noChangeShapeType="1" noTextEdit="1"/>
+              </p:cNvSpPr>
+              <p:nvPr>
+                <p:ph idx="1"/>
+              </p:nvPr>
+            </p:nvSpPr>
+            <p:spPr>
+              <a:xfrm>
+                <a:off x="1371600" y="1746353"/>
+                <a:ext cx="9601200" cy="5111647"/>
+              </a:xfrm>
+              <a:blipFill rotWithShape="0">
+                <a:blip r:embed="rId3"/>
+                <a:stretch>
+                  <a:fillRect l="-1778" b="-596"/>
+                </a:stretch>
+              </a:blipFill>
+            </p:spPr>
+            <p:txBody>
+              <a:bodyPr/>
+              <a:lstStyle/>
+              <a:p>
+                <a:r>
+                  <a:rPr lang="en-US">
+                    <a:noFill/>
+                  </a:rPr>
+                  <a:t> </a:t>
+                </a:r>
+              </a:p>
+            </p:txBody>
+          </p:sp>
+        </mc:Fallback>
+      </mc:AlternateContent>
     </p:spTree>
     <p:extLst>
       <p:ext uri="{BB962C8B-B14F-4D97-AF65-F5344CB8AC3E}">
-        <p14:creationId xmlns:p14="http://schemas.microsoft.com/office/powerpoint/2010/main" val="1367273948"/>
+        <p14:creationId xmlns:p14="http://schemas.microsoft.com/office/powerpoint/2010/main" val="2582902666"/>
       </p:ext>
     </p:extLst>
   </p:cSld>
   <p:clrMapOvr>
     <a:masterClrMapping/>
   </p:clrMapOvr>
+  <p:timing>
+    <p:tnLst>
+      <p:par>
+        <p:cTn id="1" dur="indefinite" restart="never" nodeType="tmRoot"/>
+      </p:par>
+    </p:tnLst>
+  </p:timing>
 </p:sld>
 </file>
 

--- a/_PowerPoints/2nd Semester/Unit 11 Calc Preview/PreCalc_Day_073 12.3 Tangent Line (Day 2).pptx
+++ b/_PowerPoints/2nd Semester/Unit 11 Calc Preview/PreCalc_Day_073 12.3 Tangent Line (Day 2).pptx
@@ -293,7 +293,7 @@
             <a:fld id="{87DE6118-2437-4B30-8E3C-4D2BE6020583}" type="datetimeFigureOut">
               <a:rPr lang="en-US" dirty="0"/>
               <a:pPr/>
-              <a:t>4/24/2018</a:t>
+              <a:t>4/25/2018</a:t>
             </a:fld>
             <a:endParaRPr lang="en-US" dirty="0"/>
           </a:p>
@@ -619,7 +619,7 @@
           <a:p>
             <a:fld id="{87DE6118-2437-4B30-8E3C-4D2BE6020583}" type="datetimeFigureOut">
               <a:rPr lang="en-US" dirty="0"/>
-              <a:t>4/24/2018</a:t>
+              <a:t>4/25/2018</a:t>
             </a:fld>
             <a:endParaRPr lang="en-US" dirty="0"/>
           </a:p>
@@ -794,7 +794,7 @@
           <a:p>
             <a:fld id="{87DE6118-2437-4B30-8E3C-4D2BE6020583}" type="datetimeFigureOut">
               <a:rPr lang="en-US" dirty="0"/>
-              <a:t>4/24/2018</a:t>
+              <a:t>4/25/2018</a:t>
             </a:fld>
             <a:endParaRPr lang="en-US" dirty="0"/>
           </a:p>
@@ -959,7 +959,7 @@
           <a:p>
             <a:fld id="{87DE6118-2437-4B30-8E3C-4D2BE6020583}" type="datetimeFigureOut">
               <a:rPr lang="en-US" dirty="0"/>
-              <a:t>4/24/2018</a:t>
+              <a:t>4/25/2018</a:t>
             </a:fld>
             <a:endParaRPr lang="en-US" dirty="0"/>
           </a:p>
@@ -1232,7 +1232,7 @@
             <a:fld id="{87DE6118-2437-4B30-8E3C-4D2BE6020583}" type="datetimeFigureOut">
               <a:rPr lang="en-US" dirty="0"/>
               <a:pPr/>
-              <a:t>4/24/2018</a:t>
+              <a:t>4/25/2018</a:t>
             </a:fld>
             <a:endParaRPr lang="en-US" dirty="0"/>
           </a:p>
@@ -1622,7 +1622,7 @@
           <a:p>
             <a:fld id="{87DE6118-2437-4B30-8E3C-4D2BE6020583}" type="datetimeFigureOut">
               <a:rPr lang="en-US" dirty="0"/>
-              <a:t>4/24/2018</a:t>
+              <a:t>4/25/2018</a:t>
             </a:fld>
             <a:endParaRPr lang="en-US" dirty="0"/>
           </a:p>
@@ -2094,7 +2094,7 @@
           <a:p>
             <a:fld id="{87DE6118-2437-4B30-8E3C-4D2BE6020583}" type="datetimeFigureOut">
               <a:rPr lang="en-US" dirty="0"/>
-              <a:t>4/24/2018</a:t>
+              <a:t>4/25/2018</a:t>
             </a:fld>
             <a:endParaRPr lang="en-US" dirty="0"/>
           </a:p>
@@ -2207,7 +2207,7 @@
           <a:p>
             <a:fld id="{87DE6118-2437-4B30-8E3C-4D2BE6020583}" type="datetimeFigureOut">
               <a:rPr lang="en-US" dirty="0"/>
-              <a:t>4/24/2018</a:t>
+              <a:t>4/25/2018</a:t>
             </a:fld>
             <a:endParaRPr lang="en-US" dirty="0"/>
           </a:p>
@@ -2297,7 +2297,7 @@
           <a:p>
             <a:fld id="{87DE6118-2437-4B30-8E3C-4D2BE6020583}" type="datetimeFigureOut">
               <a:rPr lang="en-US" dirty="0"/>
-              <a:t>4/24/2018</a:t>
+              <a:t>4/25/2018</a:t>
             </a:fld>
             <a:endParaRPr lang="en-US" dirty="0"/>
           </a:p>
@@ -2639,7 +2639,7 @@
             <a:fld id="{87DE6118-2437-4B30-8E3C-4D2BE6020583}" type="datetimeFigureOut">
               <a:rPr lang="en-US" dirty="0"/>
               <a:pPr/>
-              <a:t>4/24/2018</a:t>
+              <a:t>4/25/2018</a:t>
             </a:fld>
             <a:endParaRPr lang="en-US" dirty="0"/>
           </a:p>
@@ -3024,7 +3024,7 @@
             <a:fld id="{87DE6118-2437-4B30-8E3C-4D2BE6020583}" type="datetimeFigureOut">
               <a:rPr lang="en-US" dirty="0"/>
               <a:pPr/>
-              <a:t>4/24/2018</a:t>
+              <a:t>4/25/2018</a:t>
             </a:fld>
             <a:endParaRPr lang="en-US" dirty="0"/>
           </a:p>
@@ -3299,7 +3299,7 @@
             <a:fld id="{87DE6118-2437-4B30-8E3C-4D2BE6020583}" type="datetimeFigureOut">
               <a:rPr lang="en-US" dirty="0"/>
               <a:pPr/>
-              <a:t>4/24/2018</a:t>
+              <a:t>4/25/2018</a:t>
             </a:fld>
             <a:endParaRPr lang="en-US" dirty="0"/>
           </a:p>
@@ -3997,8 +3997,8 @@
           </p:sp>
         </mc:Fallback>
       </mc:AlternateContent>
-      <mc:AlternateContent xmlns:mc="http://schemas.openxmlformats.org/markup-compatibility/2006" xmlns:a14="http://schemas.microsoft.com/office/drawing/2010/main">
-        <mc:Choice Requires="a14">
+      <mc:AlternateContent xmlns:mc="http://schemas.openxmlformats.org/markup-compatibility/2006">
+        <mc:Choice xmlns:a14="http://schemas.microsoft.com/office/drawing/2010/main" Requires="a14">
           <p:sp>
             <p:nvSpPr>
               <p:cNvPr id="4" name="TextBox 3"/>
@@ -4008,7 +4008,7 @@
             <p:spPr>
               <a:xfrm>
                 <a:off x="1461992" y="2720946"/>
-                <a:ext cx="4212307" cy="536044"/>
+                <a:ext cx="4015138" cy="492443"/>
               </a:xfrm>
               <a:prstGeom prst="rect">
                 <a:avLst/>
@@ -4070,7 +4070,7 @@
                             <a:rPr lang="en-US" sz="3200" b="0" i="1" smtClean="0">
                               <a:latin typeface="Cambria Math" panose="02040503050406030204" pitchFamily="18" charset="0"/>
                             </a:rPr>
-                            <m:t>4</m:t>
+                            <m:t>5</m:t>
                           </m:r>
                           <m:r>
                             <a:rPr lang="en-US" sz="3200" i="1">
@@ -4092,7 +4092,13 @@
                         <a:rPr lang="en-US" sz="3200" b="0" i="1" smtClean="0">
                           <a:latin typeface="Cambria Math" panose="02040503050406030204" pitchFamily="18" charset="0"/>
                         </a:rPr>
-                        <m:t>−12</m:t>
+                        <m:t>−</m:t>
+                      </m:r>
+                      <m:r>
+                        <a:rPr lang="en-US" sz="3200" b="0" i="1" smtClean="0">
+                          <a:latin typeface="Cambria Math" panose="02040503050406030204" pitchFamily="18" charset="0"/>
+                        </a:rPr>
+                        <m:t>9</m:t>
                       </m:r>
                       <m:r>
                         <a:rPr lang="en-US" sz="3200" b="0" i="1" smtClean="0">
@@ -4104,7 +4110,7 @@
                         <a:rPr lang="en-US" sz="3200" b="0" i="1" smtClean="0">
                           <a:latin typeface="Cambria Math" panose="02040503050406030204" pitchFamily="18" charset="0"/>
                         </a:rPr>
-                        <m:t>+20</m:t>
+                        <m:t>−10</m:t>
                       </m:r>
                     </m:oMath>
                   </m:oMathPara>
@@ -4114,7 +4120,7 @@
             </p:txBody>
           </p:sp>
         </mc:Choice>
-        <mc:Fallback xmlns="">
+        <mc:Fallback>
           <p:sp>
             <p:nvSpPr>
               <p:cNvPr id="4" name="TextBox 3"/>
@@ -4126,7 +4132,7 @@
             <p:spPr>
               <a:xfrm>
                 <a:off x="1461992" y="2720946"/>
-                <a:ext cx="4212307" cy="536044"/>
+                <a:ext cx="4015138" cy="492443"/>
               </a:xfrm>
               <a:prstGeom prst="rect">
                 <a:avLst/>
@@ -4324,8 +4330,8 @@
           </a:p>
         </p:txBody>
       </p:sp>
-      <mc:AlternateContent xmlns:mc="http://schemas.openxmlformats.org/markup-compatibility/2006">
-        <mc:Choice xmlns:a14="http://schemas.microsoft.com/office/drawing/2010/main" Requires="a14">
+      <mc:AlternateContent xmlns:mc="http://schemas.openxmlformats.org/markup-compatibility/2006" xmlns:a14="http://schemas.microsoft.com/office/drawing/2010/main">
+        <mc:Choice Requires="a14">
           <p:sp>
             <p:nvSpPr>
               <p:cNvPr id="3" name="Content Placeholder 2"/>
@@ -4451,7 +4457,7 @@
             </p:txBody>
           </p:sp>
         </mc:Choice>
-        <mc:Fallback>
+        <mc:Fallback xmlns="">
           <p:sp>
             <p:nvSpPr>
               <p:cNvPr id="3" name="Content Placeholder 2"/>
@@ -4571,15 +4577,7 @@
             </a:pPr>
             <a:r>
               <a:rPr lang="en-US" sz="3200" b="1" dirty="0" smtClean="0"/>
-              <a:t>Page 878 #8, 43, </a:t>
-            </a:r>
-            <a:r>
-              <a:rPr lang="en-US" sz="3200" b="1" dirty="0" smtClean="0"/>
-              <a:t>46,  59, 62, </a:t>
-            </a:r>
-            <a:r>
-              <a:rPr lang="en-US" sz="3200" b="1" dirty="0" smtClean="0"/>
-              <a:t>71</a:t>
+              <a:t>Page 878 #8, 43, 46,  59, 62, 71</a:t>
             </a:r>
             <a:endParaRPr lang="en-US" sz="2400" dirty="0"/>
           </a:p>
@@ -5147,8 +5145,8 @@
           </a:p>
         </p:txBody>
       </p:sp>
-      <mc:AlternateContent xmlns:mc="http://schemas.openxmlformats.org/markup-compatibility/2006">
-        <mc:Choice xmlns:a14="http://schemas.microsoft.com/office/drawing/2010/main" Requires="a14">
+      <mc:AlternateContent xmlns:mc="http://schemas.openxmlformats.org/markup-compatibility/2006" xmlns:a14="http://schemas.microsoft.com/office/drawing/2010/main">
+        <mc:Choice Requires="a14">
           <p:sp>
             <p:nvSpPr>
               <p:cNvPr id="3" name="Content Placeholder 2"/>
@@ -5267,7 +5265,7 @@
             </p:txBody>
           </p:sp>
         </mc:Choice>
-        <mc:Fallback>
+        <mc:Fallback xmlns="">
           <p:sp>
             <p:nvSpPr>
               <p:cNvPr id="3" name="Content Placeholder 2"/>
@@ -6624,11 +6622,7 @@
             </a:r>
             <a:r>
               <a:rPr lang="en-US" sz="3000" i="1" dirty="0" smtClean="0"/>
-              <a:t>’(3)=6(3) </a:t>
-            </a:r>
-            <a:r>
-              <a:rPr lang="en-US" sz="3000" i="1" dirty="0" smtClean="0"/>
-              <a:t>– 6 …</a:t>
+              <a:t>’(3)=6(3) – 6 …</a:t>
             </a:r>
           </a:p>
           <a:p>
@@ -6641,15 +6635,7 @@
             </a:r>
             <a:r>
               <a:rPr lang="en-US" sz="3000" i="1" dirty="0" smtClean="0"/>
-              <a:t>’(3) </a:t>
-            </a:r>
-            <a:r>
-              <a:rPr lang="en-US" sz="3000" i="1" dirty="0" smtClean="0"/>
-              <a:t>= </a:t>
-            </a:r>
-            <a:r>
-              <a:rPr lang="en-US" sz="3000" i="1" dirty="0" smtClean="0"/>
-              <a:t>12</a:t>
+              <a:t>’(3) = 12</a:t>
             </a:r>
             <a:endParaRPr lang="en-US" sz="3000" dirty="0"/>
           </a:p>
@@ -6732,11 +6718,7 @@
           <a:p>
             <a:r>
               <a:rPr lang="en-US" dirty="0" smtClean="0"/>
-              <a:t>Could we find the equation of the line (not just the slope) through the point </a:t>
-            </a:r>
-            <a:r>
-              <a:rPr lang="en-US" dirty="0" smtClean="0"/>
-              <a:t>(3,9)?</a:t>
+              <a:t>Could we find the equation of the line (not just the slope) through the point (3,9)?</a:t>
             </a:r>
             <a:endParaRPr lang="en-US" dirty="0"/>
           </a:p>
@@ -6785,11 +6767,7 @@
           <a:p>
             <a:r>
               <a:rPr lang="en-US" dirty="0" smtClean="0"/>
-              <a:t>What if we wanted to find the slope through the point </a:t>
-            </a:r>
-            <a:r>
-              <a:rPr lang="en-US" dirty="0" smtClean="0"/>
-              <a:t>(2,0)?</a:t>
+              <a:t>What if we wanted to find the slope through the point (2,0)?</a:t>
             </a:r>
             <a:endParaRPr lang="en-US" dirty="0"/>
           </a:p>
@@ -7061,8 +7039,8 @@
           </p:sp>
         </mc:Fallback>
       </mc:AlternateContent>
-      <mc:AlternateContent xmlns:mc="http://schemas.openxmlformats.org/markup-compatibility/2006">
-        <mc:Choice xmlns:a14="http://schemas.microsoft.com/office/drawing/2010/main" Requires="a14">
+      <mc:AlternateContent xmlns:mc="http://schemas.openxmlformats.org/markup-compatibility/2006" xmlns:a14="http://schemas.microsoft.com/office/drawing/2010/main">
+        <mc:Choice Requires="a14">
           <p:sp>
             <p:nvSpPr>
               <p:cNvPr id="3" name="Content Placeholder 2"/>
@@ -7480,13 +7458,7 @@
                       <a:rPr lang="en-US" sz="3400" b="0" i="1" smtClean="0">
                         <a:latin typeface="Cambria Math" panose="02040503050406030204" pitchFamily="18" charset="0"/>
                       </a:rPr>
-                      <m:t>=</m:t>
-                    </m:r>
-                    <m:r>
-                      <a:rPr lang="en-US" sz="3400" b="0" i="1" smtClean="0">
-                        <a:latin typeface="Cambria Math" panose="02040503050406030204" pitchFamily="18" charset="0"/>
-                      </a:rPr>
-                      <m:t>12</m:t>
+                      <m:t>=12</m:t>
                     </m:r>
                   </m:oMath>
                 </a14:m>
@@ -7511,7 +7483,7 @@
             </p:txBody>
           </p:sp>
         </mc:Choice>
-        <mc:Fallback>
+        <mc:Fallback xmlns="">
           <p:sp>
             <p:nvSpPr>
               <p:cNvPr id="3" name="Content Placeholder 2"/>
